--- a/TubesPTP_Agenda.pptx
+++ b/TubesPTP_Agenda.pptx
@@ -128,6 +128,9 @@
         </p14:section>
       </p14:sectionLst>
     </p:ext>
+    <p:ext uri="{EFAFB233-063F-42B5-8137-9DF3F51BA10A}">
+      <p15:sldGuideLst xmlns:p15="http://schemas.microsoft.com/office/powerpoint/2012/main"/>
+    </p:ext>
   </p:extLst>
 </p:presentation>
 </file>
@@ -536,7 +539,7 @@
             <a:fld id="{5586B75A-687E-405C-8A0B-8D00578BA2C3}" type="datetimeFigureOut">
               <a:rPr lang="en-US" smtClean="0"/>
               <a:pPr/>
-              <a:t>8/30/2022</a:t>
+              <a:t>8/31/2022</a:t>
             </a:fld>
             <a:endParaRPr lang="en-US" dirty="0"/>
           </a:p>
@@ -717,7 +720,7 @@
             <a:fld id="{5586B75A-687E-405C-8A0B-8D00578BA2C3}" type="datetimeFigureOut">
               <a:rPr lang="en-US" smtClean="0"/>
               <a:pPr/>
-              <a:t>8/30/2022</a:t>
+              <a:t>8/31/2022</a:t>
             </a:fld>
             <a:endParaRPr lang="en-US" dirty="0"/>
           </a:p>
@@ -899,7 +902,7 @@
             <a:fld id="{5586B75A-687E-405C-8A0B-8D00578BA2C3}" type="datetimeFigureOut">
               <a:rPr lang="en-US" smtClean="0"/>
               <a:pPr/>
-              <a:t>8/30/2022</a:t>
+              <a:t>8/31/2022</a:t>
             </a:fld>
             <a:endParaRPr lang="en-US" dirty="0"/>
           </a:p>
@@ -1071,7 +1074,7 @@
             <a:fld id="{5586B75A-687E-405C-8A0B-8D00578BA2C3}" type="datetimeFigureOut">
               <a:rPr lang="en-US" smtClean="0"/>
               <a:pPr/>
-              <a:t>8/30/2022</a:t>
+              <a:t>8/31/2022</a:t>
             </a:fld>
             <a:endParaRPr lang="en-US" dirty="0"/>
           </a:p>
@@ -1386,7 +1389,7 @@
             <a:fld id="{5586B75A-687E-405C-8A0B-8D00578BA2C3}" type="datetimeFigureOut">
               <a:rPr lang="en-US" smtClean="0"/>
               <a:pPr/>
-              <a:t>8/30/2022</a:t>
+              <a:t>8/31/2022</a:t>
             </a:fld>
             <a:endParaRPr lang="en-US" dirty="0"/>
           </a:p>
@@ -1774,7 +1777,7 @@
             <a:fld id="{5586B75A-687E-405C-8A0B-8D00578BA2C3}" type="datetimeFigureOut">
               <a:rPr lang="en-US" smtClean="0"/>
               <a:pPr/>
-              <a:t>8/30/2022</a:t>
+              <a:t>8/31/2022</a:t>
             </a:fld>
             <a:endParaRPr lang="en-US" dirty="0"/>
           </a:p>
@@ -2210,7 +2213,7 @@
             <a:fld id="{5586B75A-687E-405C-8A0B-8D00578BA2C3}" type="datetimeFigureOut">
               <a:rPr lang="en-US" smtClean="0"/>
               <a:pPr/>
-              <a:t>8/30/2022</a:t>
+              <a:t>8/31/2022</a:t>
             </a:fld>
             <a:endParaRPr lang="en-US" dirty="0"/>
           </a:p>
@@ -2330,7 +2333,7 @@
             <a:fld id="{5586B75A-687E-405C-8A0B-8D00578BA2C3}" type="datetimeFigureOut">
               <a:rPr lang="en-US" smtClean="0"/>
               <a:pPr/>
-              <a:t>8/30/2022</a:t>
+              <a:t>8/31/2022</a:t>
             </a:fld>
             <a:endParaRPr lang="en-US" dirty="0"/>
           </a:p>
@@ -2427,7 +2430,7 @@
             <a:fld id="{5586B75A-687E-405C-8A0B-8D00578BA2C3}" type="datetimeFigureOut">
               <a:rPr lang="en-US" smtClean="0"/>
               <a:pPr/>
-              <a:t>8/30/2022</a:t>
+              <a:t>8/31/2022</a:t>
             </a:fld>
             <a:endParaRPr lang="en-US" dirty="0"/>
           </a:p>
@@ -2779,7 +2782,7 @@
             <a:fld id="{5586B75A-687E-405C-8A0B-8D00578BA2C3}" type="datetimeFigureOut">
               <a:rPr lang="en-US" smtClean="0"/>
               <a:pPr/>
-              <a:t>8/30/2022</a:t>
+              <a:t>8/31/2022</a:t>
             </a:fld>
             <a:endParaRPr lang="en-US" dirty="0"/>
           </a:p>
@@ -3206,7 +3209,7 @@
             <a:fld id="{5586B75A-687E-405C-8A0B-8D00578BA2C3}" type="datetimeFigureOut">
               <a:rPr lang="en-US" smtClean="0"/>
               <a:pPr/>
-              <a:t>8/30/2022</a:t>
+              <a:t>8/31/2022</a:t>
             </a:fld>
             <a:endParaRPr lang="en-US" dirty="0"/>
           </a:p>
@@ -3489,7 +3492,7 @@
             <a:fld id="{5586B75A-687E-405C-8A0B-8D00578BA2C3}" type="datetimeFigureOut">
               <a:rPr lang="en-US" smtClean="0"/>
               <a:pPr/>
-              <a:t>8/30/2022</a:t>
+              <a:t>8/31/2022</a:t>
             </a:fld>
             <a:endParaRPr lang="en-US" dirty="0"/>
           </a:p>
@@ -4435,6 +4438,9 @@
   <p:clrMapOvr>
     <a:masterClrMapping/>
   </p:clrMapOvr>
+  <p:transition spd="slow">
+    <p:push dir="u"/>
+  </p:transition>
 </p:sld>
 </file>
 
@@ -4528,6 +4534,9 @@
   <p:clrMapOvr>
     <a:masterClrMapping/>
   </p:clrMapOvr>
+  <p:transition spd="slow">
+    <p:push dir="u"/>
+  </p:transition>
 </p:sld>
 </file>
 
@@ -4625,6 +4634,18 @@
   <p:clrMapOvr>
     <a:masterClrMapping/>
   </p:clrMapOvr>
+  <mc:AlternateContent xmlns:mc="http://schemas.openxmlformats.org/markup-compatibility/2006">
+    <mc:Choice xmlns:p159="http://schemas.microsoft.com/office/powerpoint/2015/09/main" Requires="p159">
+      <p:transition xmlns:p14="http://schemas.microsoft.com/office/powerpoint/2010/main" spd="slow" p14:dur="2000">
+        <p159:morph option="byObject"/>
+      </p:transition>
+    </mc:Choice>
+    <mc:Fallback>
+      <p:transition spd="slow">
+        <p:fade/>
+      </p:transition>
+    </mc:Fallback>
+  </mc:AlternateContent>
 </p:sld>
 </file>
 
@@ -4722,6 +4743,18 @@
   <p:clrMapOvr>
     <a:masterClrMapping/>
   </p:clrMapOvr>
+  <mc:AlternateContent xmlns:mc="http://schemas.openxmlformats.org/markup-compatibility/2006">
+    <mc:Choice xmlns:p159="http://schemas.microsoft.com/office/powerpoint/2015/09/main" Requires="p159">
+      <p:transition xmlns:p14="http://schemas.microsoft.com/office/powerpoint/2010/main" spd="slow" p14:dur="2000">
+        <p159:morph option="byObject"/>
+      </p:transition>
+    </mc:Choice>
+    <mc:Fallback>
+      <p:transition spd="slow">
+        <p:fade/>
+      </p:transition>
+    </mc:Fallback>
+  </mc:AlternateContent>
 </p:sld>
 </file>
 
@@ -4819,6 +4852,18 @@
   <p:clrMapOvr>
     <a:masterClrMapping/>
   </p:clrMapOvr>
+  <mc:AlternateContent xmlns:mc="http://schemas.openxmlformats.org/markup-compatibility/2006">
+    <mc:Choice xmlns:p159="http://schemas.microsoft.com/office/powerpoint/2015/09/main" Requires="p159">
+      <p:transition xmlns:p14="http://schemas.microsoft.com/office/powerpoint/2010/main" spd="slow" p14:dur="2000">
+        <p159:morph option="byObject"/>
+      </p:transition>
+    </mc:Choice>
+    <mc:Fallback>
+      <p:transition spd="slow">
+        <p:fade/>
+      </p:transition>
+    </mc:Fallback>
+  </mc:AlternateContent>
 </p:sld>
 </file>
 
@@ -5006,6 +5051,18 @@
   <p:clrMapOvr>
     <a:masterClrMapping/>
   </p:clrMapOvr>
+  <mc:AlternateContent xmlns:mc="http://schemas.openxmlformats.org/markup-compatibility/2006">
+    <mc:Choice xmlns:p159="http://schemas.microsoft.com/office/powerpoint/2015/09/main" Requires="p159">
+      <p:transition xmlns:p14="http://schemas.microsoft.com/office/powerpoint/2010/main" spd="slow" p14:dur="2000">
+        <p159:morph option="byObject"/>
+      </p:transition>
+    </mc:Choice>
+    <mc:Fallback>
+      <p:transition spd="slow">
+        <p:fade/>
+      </p:transition>
+    </mc:Fallback>
+  </mc:AlternateContent>
 </p:sld>
 </file>
 
@@ -5075,6 +5132,9 @@
   <p:clrMapOvr>
     <a:masterClrMapping/>
   </p:clrMapOvr>
+  <p:transition spd="slow">
+    <p:push dir="u"/>
+  </p:transition>
 </p:sld>
 </file>
 
